--- a/tidyverse/tidyverse.pptx
+++ b/tidyverse/tidyverse.pptx
@@ -5,12 +5,10 @@
     <p:sldMasterId id="2147483648" r:id="rId1"/>
   </p:sldMasterIdLst>
   <p:sldIdLst>
-    <p:sldId id="256" r:id="rId2"/>
-    <p:sldId id="257" r:id="rId3"/>
-    <p:sldId id="258" r:id="rId4"/>
-    <p:sldId id="259" r:id="rId5"/>
-    <p:sldId id="260" r:id="rId6"/>
-    <p:sldId id="261" r:id="rId7"/>
+    <p:sldId id="257" r:id="rId2"/>
+    <p:sldId id="258" r:id="rId3"/>
+    <p:sldId id="259" r:id="rId4"/>
+    <p:sldId id="261" r:id="rId5"/>
   </p:sldIdLst>
   <p:sldSz cx="12192000" cy="6858000"/>
   <p:notesSz cx="6858000" cy="9144000"/>
@@ -109,7 +107,40 @@
       </a:defRPr>
     </a:lvl9pPr>
   </p:defaultTextStyle>
+  <p:extLst>
+    <p:ext uri="{EFAFB233-063F-42B5-8137-9DF3F51BA10A}">
+      <p15:sldGuideLst xmlns:p15="http://schemas.microsoft.com/office/powerpoint/2012/main"/>
+    </p:ext>
+  </p:extLst>
 </p:presentation>
+</file>
+
+<file path=ppt/changesInfos/changesInfo1.xml><?xml version="1.0" encoding="utf-8"?>
+<pc:chgInfo xmlns:a="http://schemas.openxmlformats.org/drawingml/2006/main" xmlns:r="http://schemas.openxmlformats.org/officeDocument/2006/relationships" xmlns:ac="http://schemas.microsoft.com/office/drawing/2013/main/command" xmlns:pc="http://schemas.microsoft.com/office/powerpoint/2013/main/command">
+  <pc:docChgLst>
+    <pc:chgData name="Ehlo, Chase A" userId="a6660707-78aa-482c-b647-234fbd25e654" providerId="ADAL" clId="{067AC581-052C-4ADA-BB70-92A36485FA38}"/>
+    <pc:docChg chg="delSld">
+      <pc:chgData name="Ehlo, Chase A" userId="a6660707-78aa-482c-b647-234fbd25e654" providerId="ADAL" clId="{067AC581-052C-4ADA-BB70-92A36485FA38}" dt="2024-11-01T15:56:37.090" v="1" actId="2696"/>
+      <pc:docMkLst>
+        <pc:docMk/>
+      </pc:docMkLst>
+      <pc:sldChg chg="del">
+        <pc:chgData name="Ehlo, Chase A" userId="a6660707-78aa-482c-b647-234fbd25e654" providerId="ADAL" clId="{067AC581-052C-4ADA-BB70-92A36485FA38}" dt="2024-11-01T15:56:29.202" v="0" actId="2696"/>
+        <pc:sldMkLst>
+          <pc:docMk/>
+          <pc:sldMk cId="676202105" sldId="256"/>
+        </pc:sldMkLst>
+      </pc:sldChg>
+      <pc:sldChg chg="del">
+        <pc:chgData name="Ehlo, Chase A" userId="a6660707-78aa-482c-b647-234fbd25e654" providerId="ADAL" clId="{067AC581-052C-4ADA-BB70-92A36485FA38}" dt="2024-11-01T15:56:37.090" v="1" actId="2696"/>
+        <pc:sldMkLst>
+          <pc:docMk/>
+          <pc:sldMk cId="1302699778" sldId="260"/>
+        </pc:sldMkLst>
+      </pc:sldChg>
+    </pc:docChg>
+  </pc:docChgLst>
+</pc:chgInfo>
 </file>
 
 <file path=ppt/slideLayouts/slideLayout1.xml><?xml version="1.0" encoding="utf-8"?>
@@ -259,7 +290,7 @@
           <a:p>
             <a:fld id="{D43A0555-1465-44A3-BBB1-AFFB5421D7A7}" type="datetimeFigureOut">
               <a:rPr lang="en-US" smtClean="0"/>
-              <a:t>10/31/2024</a:t>
+              <a:t>11/1/2024</a:t>
             </a:fld>
             <a:endParaRPr lang="en-US"/>
           </a:p>
@@ -457,7 +488,7 @@
           <a:p>
             <a:fld id="{D43A0555-1465-44A3-BBB1-AFFB5421D7A7}" type="datetimeFigureOut">
               <a:rPr lang="en-US" smtClean="0"/>
-              <a:t>10/31/2024</a:t>
+              <a:t>11/1/2024</a:t>
             </a:fld>
             <a:endParaRPr lang="en-US"/>
           </a:p>
@@ -665,7 +696,7 @@
           <a:p>
             <a:fld id="{D43A0555-1465-44A3-BBB1-AFFB5421D7A7}" type="datetimeFigureOut">
               <a:rPr lang="en-US" smtClean="0"/>
-              <a:t>10/31/2024</a:t>
+              <a:t>11/1/2024</a:t>
             </a:fld>
             <a:endParaRPr lang="en-US"/>
           </a:p>
@@ -863,7 +894,7 @@
           <a:p>
             <a:fld id="{D43A0555-1465-44A3-BBB1-AFFB5421D7A7}" type="datetimeFigureOut">
               <a:rPr lang="en-US" smtClean="0"/>
-              <a:t>10/31/2024</a:t>
+              <a:t>11/1/2024</a:t>
             </a:fld>
             <a:endParaRPr lang="en-US"/>
           </a:p>
@@ -1138,7 +1169,7 @@
           <a:p>
             <a:fld id="{D43A0555-1465-44A3-BBB1-AFFB5421D7A7}" type="datetimeFigureOut">
               <a:rPr lang="en-US" smtClean="0"/>
-              <a:t>10/31/2024</a:t>
+              <a:t>11/1/2024</a:t>
             </a:fld>
             <a:endParaRPr lang="en-US"/>
           </a:p>
@@ -1403,7 +1434,7 @@
           <a:p>
             <a:fld id="{D43A0555-1465-44A3-BBB1-AFFB5421D7A7}" type="datetimeFigureOut">
               <a:rPr lang="en-US" smtClean="0"/>
-              <a:t>10/31/2024</a:t>
+              <a:t>11/1/2024</a:t>
             </a:fld>
             <a:endParaRPr lang="en-US"/>
           </a:p>
@@ -1815,7 +1846,7 @@
           <a:p>
             <a:fld id="{D43A0555-1465-44A3-BBB1-AFFB5421D7A7}" type="datetimeFigureOut">
               <a:rPr lang="en-US" smtClean="0"/>
-              <a:t>10/31/2024</a:t>
+              <a:t>11/1/2024</a:t>
             </a:fld>
             <a:endParaRPr lang="en-US"/>
           </a:p>
@@ -1956,7 +1987,7 @@
           <a:p>
             <a:fld id="{D43A0555-1465-44A3-BBB1-AFFB5421D7A7}" type="datetimeFigureOut">
               <a:rPr lang="en-US" smtClean="0"/>
-              <a:t>10/31/2024</a:t>
+              <a:t>11/1/2024</a:t>
             </a:fld>
             <a:endParaRPr lang="en-US"/>
           </a:p>
@@ -2069,7 +2100,7 @@
           <a:p>
             <a:fld id="{D43A0555-1465-44A3-BBB1-AFFB5421D7A7}" type="datetimeFigureOut">
               <a:rPr lang="en-US" smtClean="0"/>
-              <a:t>10/31/2024</a:t>
+              <a:t>11/1/2024</a:t>
             </a:fld>
             <a:endParaRPr lang="en-US"/>
           </a:p>
@@ -2380,7 +2411,7 @@
           <a:p>
             <a:fld id="{D43A0555-1465-44A3-BBB1-AFFB5421D7A7}" type="datetimeFigureOut">
               <a:rPr lang="en-US" smtClean="0"/>
-              <a:t>10/31/2024</a:t>
+              <a:t>11/1/2024</a:t>
             </a:fld>
             <a:endParaRPr lang="en-US"/>
           </a:p>
@@ -2668,7 +2699,7 @@
           <a:p>
             <a:fld id="{D43A0555-1465-44A3-BBB1-AFFB5421D7A7}" type="datetimeFigureOut">
               <a:rPr lang="en-US" smtClean="0"/>
-              <a:t>10/31/2024</a:t>
+              <a:t>11/1/2024</a:t>
             </a:fld>
             <a:endParaRPr lang="en-US"/>
           </a:p>
@@ -2909,7 +2940,7 @@
           <a:p>
             <a:fld id="{D43A0555-1465-44A3-BBB1-AFFB5421D7A7}" type="datetimeFigureOut">
               <a:rPr lang="en-US" smtClean="0"/>
-              <a:t>10/31/2024</a:t>
+              <a:t>11/1/2024</a:t>
             </a:fld>
             <a:endParaRPr lang="en-US"/>
           </a:p>
@@ -3331,133 +3362,6 @@
           <p:cNvPr id="2" name="Title 1">
             <a:extLst>
               <a:ext uri="{FF2B5EF4-FFF2-40B4-BE49-F238E27FC236}">
-                <a16:creationId xmlns:a16="http://schemas.microsoft.com/office/drawing/2014/main" id="{5AA28D50-99BC-CBC2-6A3F-EDEAE6F51558}"/>
-              </a:ext>
-            </a:extLst>
-          </p:cNvPr>
-          <p:cNvSpPr>
-            <a:spLocks noGrp="1"/>
-          </p:cNvSpPr>
-          <p:nvPr>
-            <p:ph type="ctrTitle"/>
-          </p:nvPr>
-        </p:nvSpPr>
-        <p:spPr>
-          <a:xfrm>
-            <a:off x="1524000" y="538889"/>
-            <a:ext cx="9144000" cy="2387600"/>
-          </a:xfrm>
-        </p:spPr>
-        <p:txBody>
-          <a:bodyPr>
-            <a:normAutofit fontScale="90000"/>
-          </a:bodyPr>
-          <a:lstStyle/>
-          <a:p>
-            <a:r>
-              <a:rPr lang="en-US" b="1" dirty="0"/>
-              <a:t>"Get Your Data in Shape: </a:t>
-            </a:r>
-            <a:r>
-              <a:rPr lang="en-US" b="1" dirty="0" err="1"/>
-              <a:t>Tidyverse</a:t>
-            </a:r>
-            <a:r>
-              <a:rPr lang="en-US" b="1" dirty="0"/>
-              <a:t>—The Gym for Your Data!"</a:t>
-            </a:r>
-          </a:p>
-        </p:txBody>
-      </p:sp>
-      <p:sp>
-        <p:nvSpPr>
-          <p:cNvPr id="3" name="Subtitle 2">
-            <a:extLst>
-              <a:ext uri="{FF2B5EF4-FFF2-40B4-BE49-F238E27FC236}">
-                <a16:creationId xmlns:a16="http://schemas.microsoft.com/office/drawing/2014/main" id="{A6B5172E-F3A7-2143-1C39-D51674B842E0}"/>
-              </a:ext>
-            </a:extLst>
-          </p:cNvPr>
-          <p:cNvSpPr>
-            <a:spLocks noGrp="1"/>
-          </p:cNvSpPr>
-          <p:nvPr>
-            <p:ph type="subTitle" idx="1"/>
-          </p:nvPr>
-        </p:nvSpPr>
-        <p:spPr/>
-        <p:txBody>
-          <a:bodyPr/>
-          <a:lstStyle/>
-          <a:p>
-            <a:endParaRPr lang="en-US" dirty="0"/>
-          </a:p>
-        </p:txBody>
-      </p:sp>
-      <p:pic>
-        <p:nvPicPr>
-          <p:cNvPr id="5" name="Picture 4">
-            <a:extLst>
-              <a:ext uri="{FF2B5EF4-FFF2-40B4-BE49-F238E27FC236}">
-                <a16:creationId xmlns:a16="http://schemas.microsoft.com/office/drawing/2014/main" id="{ACC97DB2-B17A-CC33-A38B-54AA75222514}"/>
-              </a:ext>
-            </a:extLst>
-          </p:cNvPr>
-          <p:cNvPicPr>
-            <a:picLocks noChangeAspect="1"/>
-          </p:cNvPicPr>
-          <p:nvPr/>
-        </p:nvPicPr>
-        <p:blipFill rotWithShape="1">
-          <a:blip r:embed="rId2"/>
-          <a:srcRect t="1420" r="-1247" b="-3498"/>
-          <a:stretch/>
-        </p:blipFill>
-        <p:spPr>
-          <a:xfrm>
-            <a:off x="2490651" y="3109005"/>
-            <a:ext cx="6383383" cy="3746251"/>
-          </a:xfrm>
-          <a:prstGeom prst="ellipse">
-            <a:avLst/>
-          </a:prstGeom>
-        </p:spPr>
-      </p:pic>
-    </p:spTree>
-    <p:extLst>
-      <p:ext uri="{BB962C8B-B14F-4D97-AF65-F5344CB8AC3E}">
-        <p14:creationId xmlns:p14="http://schemas.microsoft.com/office/powerpoint/2010/main" val="676202105"/>
-      </p:ext>
-    </p:extLst>
-  </p:cSld>
-  <p:clrMapOvr>
-    <a:masterClrMapping/>
-  </p:clrMapOvr>
-</p:sld>
-</file>
-
-<file path=ppt/slides/slide2.xml><?xml version="1.0" encoding="utf-8"?>
-<p:sld xmlns:a="http://schemas.openxmlformats.org/drawingml/2006/main" xmlns:r="http://schemas.openxmlformats.org/officeDocument/2006/relationships" xmlns:p="http://schemas.openxmlformats.org/presentationml/2006/main">
-  <p:cSld>
-    <p:spTree>
-      <p:nvGrpSpPr>
-        <p:cNvPr id="1" name=""/>
-        <p:cNvGrpSpPr/>
-        <p:nvPr/>
-      </p:nvGrpSpPr>
-      <p:grpSpPr>
-        <a:xfrm>
-          <a:off x="0" y="0"/>
-          <a:ext cx="0" cy="0"/>
-          <a:chOff x="0" y="0"/>
-          <a:chExt cx="0" cy="0"/>
-        </a:xfrm>
-      </p:grpSpPr>
-      <p:sp>
-        <p:nvSpPr>
-          <p:cNvPr id="2" name="Title 1">
-            <a:extLst>
-              <a:ext uri="{FF2B5EF4-FFF2-40B4-BE49-F238E27FC236}">
                 <a16:creationId xmlns:a16="http://schemas.microsoft.com/office/drawing/2014/main" id="{0C4B4F2A-E6BF-F368-1453-85DFA03E8808}"/>
               </a:ext>
             </a:extLst>
@@ -3770,6 +3674,158 @@
 </p:sld>
 </file>
 
+<file path=ppt/slides/slide2.xml><?xml version="1.0" encoding="utf-8"?>
+<p:sld xmlns:a="http://schemas.openxmlformats.org/drawingml/2006/main" xmlns:r="http://schemas.openxmlformats.org/officeDocument/2006/relationships" xmlns:p="http://schemas.openxmlformats.org/presentationml/2006/main">
+  <p:cSld>
+    <p:spTree>
+      <p:nvGrpSpPr>
+        <p:cNvPr id="1" name=""/>
+        <p:cNvGrpSpPr/>
+        <p:nvPr/>
+      </p:nvGrpSpPr>
+      <p:grpSpPr>
+        <a:xfrm>
+          <a:off x="0" y="0"/>
+          <a:ext cx="0" cy="0"/>
+          <a:chOff x="0" y="0"/>
+          <a:chExt cx="0" cy="0"/>
+        </a:xfrm>
+      </p:grpSpPr>
+      <p:sp>
+        <p:nvSpPr>
+          <p:cNvPr id="2" name="Title 1">
+            <a:extLst>
+              <a:ext uri="{FF2B5EF4-FFF2-40B4-BE49-F238E27FC236}">
+                <a16:creationId xmlns:a16="http://schemas.microsoft.com/office/drawing/2014/main" id="{61742D14-51AD-DCAD-949F-2DC231A4DD1D}"/>
+              </a:ext>
+            </a:extLst>
+          </p:cNvPr>
+          <p:cNvSpPr>
+            <a:spLocks noGrp="1"/>
+          </p:cNvSpPr>
+          <p:nvPr>
+            <p:ph type="title"/>
+          </p:nvPr>
+        </p:nvSpPr>
+        <p:spPr/>
+        <p:txBody>
+          <a:bodyPr/>
+          <a:lstStyle/>
+          <a:p>
+            <a:r>
+              <a:rPr lang="en-US" b="1" dirty="0" err="1"/>
+              <a:t>Tidyverse</a:t>
+            </a:r>
+            <a:r>
+              <a:rPr lang="en-US" b="1" dirty="0"/>
+              <a:t> vs. Base R</a:t>
+            </a:r>
+          </a:p>
+        </p:txBody>
+      </p:sp>
+      <p:sp>
+        <p:nvSpPr>
+          <p:cNvPr id="3" name="Content Placeholder 2">
+            <a:extLst>
+              <a:ext uri="{FF2B5EF4-FFF2-40B4-BE49-F238E27FC236}">
+                <a16:creationId xmlns:a16="http://schemas.microsoft.com/office/drawing/2014/main" id="{89F57693-5F1F-E278-300F-295643D9E465}"/>
+              </a:ext>
+            </a:extLst>
+          </p:cNvPr>
+          <p:cNvSpPr>
+            <a:spLocks noGrp="1"/>
+          </p:cNvSpPr>
+          <p:nvPr>
+            <p:ph idx="1"/>
+          </p:nvPr>
+        </p:nvSpPr>
+        <p:spPr/>
+        <p:txBody>
+          <a:bodyPr>
+            <a:normAutofit lnSpcReduction="10000"/>
+          </a:bodyPr>
+          <a:lstStyle/>
+          <a:p>
+            <a:r>
+              <a:rPr lang="en-US" dirty="0"/>
+              <a:t>Consistent and intuitive syntax</a:t>
+            </a:r>
+          </a:p>
+          <a:p>
+            <a:pPr lvl="1"/>
+            <a:r>
+              <a:rPr lang="en-US" dirty="0"/>
+              <a:t>Unified syntax across packages</a:t>
+            </a:r>
+          </a:p>
+          <a:p>
+            <a:r>
+              <a:rPr lang="en-US" dirty="0"/>
+              <a:t>Pipeline Operator (%&gt;%) or (|&gt;)</a:t>
+            </a:r>
+          </a:p>
+          <a:p>
+            <a:pPr lvl="1"/>
+            <a:r>
+              <a:rPr lang="en-US" dirty="0"/>
+              <a:t>Allow for clean readable workflows</a:t>
+            </a:r>
+          </a:p>
+          <a:p>
+            <a:r>
+              <a:rPr lang="en-US" dirty="0"/>
+              <a:t>Powerful Data Manipulation</a:t>
+            </a:r>
+          </a:p>
+          <a:p>
+            <a:pPr lvl="1"/>
+            <a:r>
+              <a:rPr lang="en-US" dirty="0"/>
+              <a:t>Optimized functions that are faster and more intuitive than Base R functions</a:t>
+            </a:r>
+          </a:p>
+          <a:p>
+            <a:pPr lvl="1"/>
+            <a:r>
+              <a:rPr lang="en-US" dirty="0"/>
+              <a:t>Especially with grouped operations</a:t>
+            </a:r>
+          </a:p>
+          <a:p>
+            <a:r>
+              <a:rPr lang="en-US" dirty="0"/>
+              <a:t>Easier Data Visualization</a:t>
+            </a:r>
+          </a:p>
+          <a:p>
+            <a:pPr lvl="1"/>
+            <a:r>
+              <a:rPr lang="en-US" dirty="0"/>
+              <a:t>Ggplot2 has a flexible, layer-based approach to data viz</a:t>
+            </a:r>
+          </a:p>
+          <a:p>
+            <a:pPr lvl="1"/>
+            <a:r>
+              <a:rPr lang="en-US" dirty="0"/>
+              <a:t>Produces more polished visuals by default</a:t>
+            </a:r>
+          </a:p>
+        </p:txBody>
+      </p:sp>
+    </p:spTree>
+    <p:extLst>
+      <p:ext uri="{BB962C8B-B14F-4D97-AF65-F5344CB8AC3E}">
+        <p14:creationId xmlns:p14="http://schemas.microsoft.com/office/powerpoint/2010/main" val="4256971004"/>
+      </p:ext>
+    </p:extLst>
+  </p:cSld>
+  <p:clrMapOvr>
+    <a:masterClrMapping/>
+  </p:clrMapOvr>
+</p:sld>
+</file>
+
 <file path=ppt/slides/slide3.xml><?xml version="1.0" encoding="utf-8"?>
 <p:sld xmlns:a="http://schemas.openxmlformats.org/drawingml/2006/main" xmlns:r="http://schemas.openxmlformats.org/officeDocument/2006/relationships" xmlns:p="http://schemas.openxmlformats.org/presentationml/2006/main">
   <p:cSld>
@@ -3792,158 +3848,6 @@
           <p:cNvPr id="2" name="Title 1">
             <a:extLst>
               <a:ext uri="{FF2B5EF4-FFF2-40B4-BE49-F238E27FC236}">
-                <a16:creationId xmlns:a16="http://schemas.microsoft.com/office/drawing/2014/main" id="{61742D14-51AD-DCAD-949F-2DC231A4DD1D}"/>
-              </a:ext>
-            </a:extLst>
-          </p:cNvPr>
-          <p:cNvSpPr>
-            <a:spLocks noGrp="1"/>
-          </p:cNvSpPr>
-          <p:nvPr>
-            <p:ph type="title"/>
-          </p:nvPr>
-        </p:nvSpPr>
-        <p:spPr/>
-        <p:txBody>
-          <a:bodyPr/>
-          <a:lstStyle/>
-          <a:p>
-            <a:r>
-              <a:rPr lang="en-US" b="1" dirty="0" err="1"/>
-              <a:t>Tidyverse</a:t>
-            </a:r>
-            <a:r>
-              <a:rPr lang="en-US" b="1" dirty="0"/>
-              <a:t> vs. Base R</a:t>
-            </a:r>
-          </a:p>
-        </p:txBody>
-      </p:sp>
-      <p:sp>
-        <p:nvSpPr>
-          <p:cNvPr id="3" name="Content Placeholder 2">
-            <a:extLst>
-              <a:ext uri="{FF2B5EF4-FFF2-40B4-BE49-F238E27FC236}">
-                <a16:creationId xmlns:a16="http://schemas.microsoft.com/office/drawing/2014/main" id="{89F57693-5F1F-E278-300F-295643D9E465}"/>
-              </a:ext>
-            </a:extLst>
-          </p:cNvPr>
-          <p:cNvSpPr>
-            <a:spLocks noGrp="1"/>
-          </p:cNvSpPr>
-          <p:nvPr>
-            <p:ph idx="1"/>
-          </p:nvPr>
-        </p:nvSpPr>
-        <p:spPr/>
-        <p:txBody>
-          <a:bodyPr>
-            <a:normAutofit lnSpcReduction="10000"/>
-          </a:bodyPr>
-          <a:lstStyle/>
-          <a:p>
-            <a:r>
-              <a:rPr lang="en-US" dirty="0"/>
-              <a:t>Consistent and intuitive syntax</a:t>
-            </a:r>
-          </a:p>
-          <a:p>
-            <a:pPr lvl="1"/>
-            <a:r>
-              <a:rPr lang="en-US" dirty="0"/>
-              <a:t>Unified syntax across packages</a:t>
-            </a:r>
-          </a:p>
-          <a:p>
-            <a:r>
-              <a:rPr lang="en-US" dirty="0"/>
-              <a:t>Pipeline Operator (%&gt;%) or (|&gt;)</a:t>
-            </a:r>
-          </a:p>
-          <a:p>
-            <a:pPr lvl="1"/>
-            <a:r>
-              <a:rPr lang="en-US" dirty="0"/>
-              <a:t>Allow for clean readable workflows</a:t>
-            </a:r>
-          </a:p>
-          <a:p>
-            <a:r>
-              <a:rPr lang="en-US" dirty="0"/>
-              <a:t>Powerful Data Manipulation</a:t>
-            </a:r>
-          </a:p>
-          <a:p>
-            <a:pPr lvl="1"/>
-            <a:r>
-              <a:rPr lang="en-US" dirty="0"/>
-              <a:t>Optimized functions that are faster and more intuitive than Base R functions</a:t>
-            </a:r>
-          </a:p>
-          <a:p>
-            <a:pPr lvl="1"/>
-            <a:r>
-              <a:rPr lang="en-US" dirty="0"/>
-              <a:t>Especially with grouped operations</a:t>
-            </a:r>
-          </a:p>
-          <a:p>
-            <a:r>
-              <a:rPr lang="en-US" dirty="0"/>
-              <a:t>Easier Data Visualization</a:t>
-            </a:r>
-          </a:p>
-          <a:p>
-            <a:pPr lvl="1"/>
-            <a:r>
-              <a:rPr lang="en-US" dirty="0"/>
-              <a:t>Ggplot2 has a flexible, layer-based approach to data viz</a:t>
-            </a:r>
-          </a:p>
-          <a:p>
-            <a:pPr lvl="1"/>
-            <a:r>
-              <a:rPr lang="en-US" dirty="0"/>
-              <a:t>Produces more polished visuals by default</a:t>
-            </a:r>
-          </a:p>
-        </p:txBody>
-      </p:sp>
-    </p:spTree>
-    <p:extLst>
-      <p:ext uri="{BB962C8B-B14F-4D97-AF65-F5344CB8AC3E}">
-        <p14:creationId xmlns:p14="http://schemas.microsoft.com/office/powerpoint/2010/main" val="4256971004"/>
-      </p:ext>
-    </p:extLst>
-  </p:cSld>
-  <p:clrMapOvr>
-    <a:masterClrMapping/>
-  </p:clrMapOvr>
-</p:sld>
-</file>
-
-<file path=ppt/slides/slide4.xml><?xml version="1.0" encoding="utf-8"?>
-<p:sld xmlns:a="http://schemas.openxmlformats.org/drawingml/2006/main" xmlns:r="http://schemas.openxmlformats.org/officeDocument/2006/relationships" xmlns:p="http://schemas.openxmlformats.org/presentationml/2006/main">
-  <p:cSld>
-    <p:spTree>
-      <p:nvGrpSpPr>
-        <p:cNvPr id="1" name=""/>
-        <p:cNvGrpSpPr/>
-        <p:nvPr/>
-      </p:nvGrpSpPr>
-      <p:grpSpPr>
-        <a:xfrm>
-          <a:off x="0" y="0"/>
-          <a:ext cx="0" cy="0"/>
-          <a:chOff x="0" y="0"/>
-          <a:chExt cx="0" cy="0"/>
-        </a:xfrm>
-      </p:grpSpPr>
-      <p:sp>
-        <p:nvSpPr>
-          <p:cNvPr id="2" name="Title 1">
-            <a:extLst>
-              <a:ext uri="{FF2B5EF4-FFF2-40B4-BE49-F238E27FC236}">
                 <a16:creationId xmlns:a16="http://schemas.microsoft.com/office/drawing/2014/main" id="{29BA1428-1AC9-F78D-6A8E-2BF9E6BAB541}"/>
               </a:ext>
             </a:extLst>
@@ -3993,115 +3897,7 @@
 </p:sld>
 </file>
 
-<file path=ppt/slides/slide5.xml><?xml version="1.0" encoding="utf-8"?>
-<p:sld xmlns:a="http://schemas.openxmlformats.org/drawingml/2006/main" xmlns:r="http://schemas.openxmlformats.org/officeDocument/2006/relationships" xmlns:p="http://schemas.openxmlformats.org/presentationml/2006/main">
-  <p:cSld>
-    <p:spTree>
-      <p:nvGrpSpPr>
-        <p:cNvPr id="1" name=""/>
-        <p:cNvGrpSpPr/>
-        <p:nvPr/>
-      </p:nvGrpSpPr>
-      <p:grpSpPr>
-        <a:xfrm>
-          <a:off x="0" y="0"/>
-          <a:ext cx="0" cy="0"/>
-          <a:chOff x="0" y="0"/>
-          <a:chExt cx="0" cy="0"/>
-        </a:xfrm>
-      </p:grpSpPr>
-      <p:sp>
-        <p:nvSpPr>
-          <p:cNvPr id="2" name="Title 1">
-            <a:extLst>
-              <a:ext uri="{FF2B5EF4-FFF2-40B4-BE49-F238E27FC236}">
-                <a16:creationId xmlns:a16="http://schemas.microsoft.com/office/drawing/2014/main" id="{C66F1528-3DD9-937A-32E8-C068DC0DDAE2}"/>
-              </a:ext>
-            </a:extLst>
-          </p:cNvPr>
-          <p:cNvSpPr>
-            <a:spLocks noGrp="1"/>
-          </p:cNvSpPr>
-          <p:nvPr>
-            <p:ph type="title"/>
-          </p:nvPr>
-        </p:nvSpPr>
-        <p:spPr/>
-        <p:txBody>
-          <a:bodyPr/>
-          <a:lstStyle/>
-          <a:p>
-            <a:r>
-              <a:rPr lang="en-US" b="1" dirty="0"/>
-              <a:t>Your own problem data summary problem?</a:t>
-            </a:r>
-          </a:p>
-        </p:txBody>
-      </p:sp>
-      <p:sp>
-        <p:nvSpPr>
-          <p:cNvPr id="3" name="Content Placeholder 2">
-            <a:extLst>
-              <a:ext uri="{FF2B5EF4-FFF2-40B4-BE49-F238E27FC236}">
-                <a16:creationId xmlns:a16="http://schemas.microsoft.com/office/drawing/2014/main" id="{65B3FF31-F15E-1C50-C7E1-2E282356CF19}"/>
-              </a:ext>
-            </a:extLst>
-          </p:cNvPr>
-          <p:cNvSpPr>
-            <a:spLocks noGrp="1"/>
-          </p:cNvSpPr>
-          <p:nvPr>
-            <p:ph idx="1"/>
-          </p:nvPr>
-        </p:nvSpPr>
-        <p:spPr/>
-        <p:txBody>
-          <a:bodyPr/>
-          <a:lstStyle/>
-          <a:p>
-            <a:r>
-              <a:rPr lang="en-US" dirty="0"/>
-              <a:t>Create a </a:t>
-            </a:r>
-            <a:r>
-              <a:rPr lang="en-US" dirty="0" err="1"/>
-              <a:t>tibble</a:t>
-            </a:r>
-            <a:r>
-              <a:rPr lang="en-US" dirty="0"/>
-              <a:t> with mean fork length for ad-clipped and non clipped females</a:t>
-            </a:r>
-          </a:p>
-          <a:p>
-            <a:r>
-              <a:rPr lang="en-US" dirty="0"/>
-              <a:t>Create a bar graph in </a:t>
-            </a:r>
-            <a:r>
-              <a:rPr lang="en-US" dirty="0" err="1"/>
-              <a:t>ggplot</a:t>
-            </a:r>
-            <a:r>
-              <a:rPr lang="en-US" dirty="0"/>
-              <a:t> comparing the fork lengths of each.</a:t>
-            </a:r>
-          </a:p>
-        </p:txBody>
-      </p:sp>
-    </p:spTree>
-    <p:extLst>
-      <p:ext uri="{BB962C8B-B14F-4D97-AF65-F5344CB8AC3E}">
-        <p14:creationId xmlns:p14="http://schemas.microsoft.com/office/powerpoint/2010/main" val="1302699778"/>
-      </p:ext>
-    </p:extLst>
-  </p:cSld>
-  <p:clrMapOvr>
-    <a:masterClrMapping/>
-  </p:clrMapOvr>
-</p:sld>
-</file>
-
-<file path=ppt/slides/slide6.xml><?xml version="1.0" encoding="utf-8"?>
+<file path=ppt/slides/slide4.xml><?xml version="1.0" encoding="utf-8"?>
 <p:sld xmlns:a="http://schemas.openxmlformats.org/drawingml/2006/main" xmlns:r="http://schemas.openxmlformats.org/officeDocument/2006/relationships" xmlns:p="http://schemas.openxmlformats.org/presentationml/2006/main">
   <p:cSld>
     <p:spTree>
